--- a/机上配置.pptx
+++ b/机上配置.pptx
@@ -3606,7 +3606,7 @@
         </p:nvSpPr>
         <p:spPr>
           <a:xfrm rot="16200000">
-            <a:off x="4048125" y="3336925"/>
+            <a:off x="4048125" y="2555875"/>
             <a:ext cx="1080000" cy="756000"/>
           </a:xfrm>
           <a:prstGeom prst="rect">
@@ -3648,7 +3648,7 @@
         </p:nvSpPr>
         <p:spPr>
           <a:xfrm rot="16200000">
-            <a:off x="4966335" y="3336925"/>
+            <a:off x="4952365" y="2555875"/>
             <a:ext cx="1080000" cy="756000"/>
           </a:xfrm>
           <a:prstGeom prst="rect">
@@ -3690,7 +3690,7 @@
         </p:nvSpPr>
         <p:spPr>
           <a:xfrm rot="16200000">
-            <a:off x="3126105" y="3336925"/>
+            <a:off x="3144520" y="2555875"/>
             <a:ext cx="1080000" cy="756000"/>
           </a:xfrm>
           <a:prstGeom prst="rect">
@@ -3732,7 +3732,7 @@
         </p:nvSpPr>
         <p:spPr>
           <a:xfrm>
-            <a:off x="4048760" y="2262505"/>
+            <a:off x="4048125" y="3666490"/>
             <a:ext cx="1080000" cy="756000"/>
           </a:xfrm>
           <a:prstGeom prst="rect">
@@ -3782,7 +3782,7 @@
         </p:blipFill>
         <p:spPr>
           <a:xfrm>
-            <a:off x="4384675" y="2593975"/>
+            <a:off x="4385945" y="3727450"/>
             <a:ext cx="407035" cy="407035"/>
           </a:xfrm>
           <a:prstGeom prst="rect">
@@ -3882,7 +3882,7 @@
         </p:nvCxnSpPr>
         <p:spPr>
           <a:xfrm>
-            <a:off x="2764155" y="2797810"/>
+            <a:off x="2889885" y="3321050"/>
             <a:ext cx="3548380" cy="0"/>
           </a:xfrm>
           <a:prstGeom prst="straightConnector1">
@@ -3983,7 +3983,7 @@
         </p:nvSpPr>
         <p:spPr>
           <a:xfrm>
-            <a:off x="6250940" y="2650490"/>
+            <a:off x="6282055" y="4275455"/>
             <a:ext cx="281940" cy="368300"/>
           </a:xfrm>
           <a:prstGeom prst="rect">
@@ -4144,7 +4144,7 @@
         </p:nvCxnSpPr>
         <p:spPr>
           <a:xfrm>
-            <a:off x="3964305" y="2262505"/>
+            <a:off x="3850005" y="3666490"/>
             <a:ext cx="0" cy="738505"/>
           </a:xfrm>
           <a:prstGeom prst="straightConnector1">
@@ -4181,7 +4181,7 @@
         </p:nvSpPr>
         <p:spPr>
           <a:xfrm rot="16200000">
-            <a:off x="3557905" y="2447290"/>
+            <a:off x="3515360" y="3851275"/>
             <a:ext cx="529590" cy="368300"/>
           </a:xfrm>
           <a:prstGeom prst="rect">
@@ -4210,8 +4210,8 @@
         </p:nvCxnSpPr>
         <p:spPr>
           <a:xfrm>
-            <a:off x="4351655" y="2805430"/>
-            <a:ext cx="0" cy="213360"/>
+            <a:off x="4792980" y="3671570"/>
+            <a:ext cx="0" cy="259080"/>
           </a:xfrm>
           <a:prstGeom prst="straightConnector1">
             <a:avLst/>
@@ -4247,7 +4247,7 @@
         </p:nvSpPr>
         <p:spPr>
           <a:xfrm rot="16200000">
-            <a:off x="4034155" y="2758440"/>
+            <a:off x="7207885" y="4162425"/>
             <a:ext cx="363220" cy="306705"/>
           </a:xfrm>
           <a:prstGeom prst="rect">
@@ -4276,8 +4276,8 @@
         </p:nvCxnSpPr>
         <p:spPr>
           <a:xfrm>
-            <a:off x="4351655" y="2262505"/>
-            <a:ext cx="0" cy="528955"/>
+            <a:off x="4792980" y="3928745"/>
+            <a:ext cx="0" cy="480695"/>
           </a:xfrm>
           <a:prstGeom prst="straightConnector1">
             <a:avLst/>
@@ -4313,7 +4313,7 @@
         </p:nvSpPr>
         <p:spPr>
           <a:xfrm rot="16200000">
-            <a:off x="4049395" y="2373630"/>
+            <a:off x="7282815" y="3058795"/>
             <a:ext cx="453390" cy="306705"/>
           </a:xfrm>
           <a:prstGeom prst="rect">
@@ -4342,7 +4342,7 @@
         </p:nvCxnSpPr>
         <p:spPr>
           <a:xfrm>
-            <a:off x="2879090" y="2797810"/>
+            <a:off x="5324475" y="2387600"/>
             <a:ext cx="0" cy="528955"/>
           </a:xfrm>
           <a:prstGeom prst="straightConnector1">
@@ -4379,7 +4379,7 @@
         </p:nvSpPr>
         <p:spPr>
           <a:xfrm rot="16200000">
-            <a:off x="2601595" y="2893695"/>
+            <a:off x="5040630" y="2515870"/>
             <a:ext cx="453390" cy="306705"/>
           </a:xfrm>
           <a:prstGeom prst="rect">
@@ -4408,7 +4408,7 @@
         </p:nvCxnSpPr>
         <p:spPr>
           <a:xfrm>
-            <a:off x="4826635" y="4250055"/>
+            <a:off x="5646420" y="2263140"/>
             <a:ext cx="0" cy="180000"/>
           </a:xfrm>
           <a:prstGeom prst="straightConnector1">
@@ -4445,7 +4445,7 @@
         </p:nvSpPr>
         <p:spPr>
           <a:xfrm rot="16200000">
-            <a:off x="4531995" y="4217035"/>
+            <a:off x="5410835" y="2230120"/>
             <a:ext cx="311150" cy="245110"/>
           </a:xfrm>
           <a:prstGeom prst="rect">
@@ -4474,7 +4474,7 @@
         </p:nvCxnSpPr>
         <p:spPr>
           <a:xfrm rot="16200000">
-            <a:off x="5056505" y="4093845"/>
+            <a:off x="4138295" y="2521585"/>
             <a:ext cx="0" cy="180000"/>
           </a:xfrm>
           <a:prstGeom prst="straightConnector1">
@@ -4511,7 +4511,7 @@
         </p:nvSpPr>
         <p:spPr>
           <a:xfrm>
-            <a:off x="4900295" y="3938905"/>
+            <a:off x="3982085" y="2387600"/>
             <a:ext cx="311150" cy="245110"/>
           </a:xfrm>
           <a:prstGeom prst="rect">
@@ -4576,7 +4576,7 @@
         </p:nvCxnSpPr>
         <p:spPr>
           <a:xfrm>
-            <a:off x="3209290" y="3714750"/>
+            <a:off x="3198495" y="2896235"/>
             <a:ext cx="2781300" cy="0"/>
           </a:xfrm>
           <a:prstGeom prst="line">
@@ -4612,8 +4612,8 @@
         </p:nvCxnSpPr>
         <p:spPr>
           <a:xfrm flipV="1">
-            <a:off x="3666490" y="3125470"/>
-            <a:ext cx="0" cy="1176655"/>
+            <a:off x="3684270" y="2112010"/>
+            <a:ext cx="0" cy="1615440"/>
           </a:xfrm>
           <a:prstGeom prst="line">
             <a:avLst/>
@@ -4648,8 +4648,8 @@
         </p:nvCxnSpPr>
         <p:spPr>
           <a:xfrm>
-            <a:off x="4351655" y="3185795"/>
-            <a:ext cx="0" cy="528955"/>
+            <a:off x="4385945" y="3321050"/>
+            <a:ext cx="0" cy="607695"/>
           </a:xfrm>
           <a:prstGeom prst="straightConnector1">
             <a:avLst/>
@@ -4685,7 +4685,7 @@
         </p:nvSpPr>
         <p:spPr>
           <a:xfrm rot="16200000">
-            <a:off x="4030980" y="3347085"/>
+            <a:off x="7659370" y="4207510"/>
             <a:ext cx="453390" cy="306705"/>
           </a:xfrm>
           <a:prstGeom prst="rect">
@@ -4714,7 +4714,7 @@
         </p:nvCxnSpPr>
         <p:spPr>
           <a:xfrm>
-            <a:off x="4848860" y="3006090"/>
+            <a:off x="5128260" y="3504565"/>
             <a:ext cx="0" cy="180000"/>
           </a:xfrm>
           <a:prstGeom prst="straightConnector1">
@@ -4751,7 +4751,7 @@
         </p:nvSpPr>
         <p:spPr>
           <a:xfrm rot="16200000">
-            <a:off x="4570730" y="2973705"/>
+            <a:off x="4850130" y="3472180"/>
             <a:ext cx="311150" cy="245110"/>
           </a:xfrm>
           <a:prstGeom prst="rect">
@@ -4767,6 +4767,261 @@
             <a:r>
               <a:rPr lang="en-US" altLang="ja-JP" sz="1000"/>
               <a:t>40</a:t>
+            </a:r>
+            <a:endParaRPr lang="en-US" altLang="ja-JP" sz="1000"/>
+          </a:p>
+        </p:txBody>
+      </p:sp>
+      <p:cxnSp>
+        <p:nvCxnSpPr>
+          <p:cNvPr id="40" name="直線コネクタ 39"/>
+          <p:cNvCxnSpPr/>
+          <p:nvPr/>
+        </p:nvCxnSpPr>
+        <p:spPr>
+          <a:xfrm>
+            <a:off x="4320540" y="3930650"/>
+            <a:ext cx="521970" cy="0"/>
+          </a:xfrm>
+          <a:prstGeom prst="line">
+            <a:avLst/>
+          </a:prstGeom>
+          <a:ln w="12700" cmpd="sng">
+            <a:solidFill>
+              <a:srgbClr val="FF0000"/>
+            </a:solidFill>
+            <a:prstDash val="dashDot"/>
+          </a:ln>
+        </p:spPr>
+        <p:style>
+          <a:lnRef idx="1">
+            <a:schemeClr val="accent1"/>
+          </a:lnRef>
+          <a:fillRef idx="0">
+            <a:schemeClr val="accent1"/>
+          </a:fillRef>
+          <a:effectRef idx="0">
+            <a:schemeClr val="accent1"/>
+          </a:effectRef>
+          <a:fontRef idx="minor">
+            <a:schemeClr val="tx1"/>
+          </a:fontRef>
+        </p:style>
+      </p:cxnSp>
+      <p:cxnSp>
+        <p:nvCxnSpPr>
+          <p:cNvPr id="41" name="直線矢印コネクタ 40"/>
+          <p:cNvCxnSpPr/>
+          <p:nvPr/>
+        </p:nvCxnSpPr>
+        <p:spPr>
+          <a:xfrm>
+            <a:off x="5646420" y="2447290"/>
+            <a:ext cx="0" cy="1019810"/>
+          </a:xfrm>
+          <a:prstGeom prst="straightConnector1">
+            <a:avLst/>
+          </a:prstGeom>
+          <a:ln>
+            <a:solidFill>
+              <a:schemeClr val="tx1"/>
+            </a:solidFill>
+            <a:headEnd type="arrow"/>
+            <a:tailEnd type="arrow"/>
+          </a:ln>
+        </p:spPr>
+        <p:style>
+          <a:lnRef idx="1">
+            <a:schemeClr val="accent1"/>
+          </a:lnRef>
+          <a:fillRef idx="0">
+            <a:schemeClr val="accent1"/>
+          </a:fillRef>
+          <a:effectRef idx="0">
+            <a:schemeClr val="accent1"/>
+          </a:effectRef>
+          <a:fontRef idx="minor">
+            <a:schemeClr val="tx1"/>
+          </a:fontRef>
+        </p:style>
+      </p:cxnSp>
+      <p:sp>
+        <p:nvSpPr>
+          <p:cNvPr id="42" name="テキストボックス 41"/>
+          <p:cNvSpPr txBox="1"/>
+          <p:nvPr/>
+        </p:nvSpPr>
+        <p:spPr>
+          <a:xfrm rot="16200000">
+            <a:off x="5396230" y="2963545"/>
+            <a:ext cx="375285" cy="245110"/>
+          </a:xfrm>
+          <a:prstGeom prst="rect">
+            <a:avLst/>
+          </a:prstGeom>
+          <a:noFill/>
+        </p:spPr>
+        <p:txBody>
+          <a:bodyPr wrap="none" rtlCol="0">
+            <a:spAutoFit/>
+          </a:bodyPr>
+          <a:p>
+            <a:r>
+              <a:rPr lang="en-US" altLang="ja-JP" sz="1000"/>
+              <a:t>300</a:t>
+            </a:r>
+            <a:endParaRPr lang="en-US" altLang="ja-JP" sz="1000"/>
+          </a:p>
+        </p:txBody>
+      </p:sp>
+      <p:cxnSp>
+        <p:nvCxnSpPr>
+          <p:cNvPr id="43" name="直線矢印コネクタ 42"/>
+          <p:cNvCxnSpPr/>
+          <p:nvPr/>
+        </p:nvCxnSpPr>
+        <p:spPr>
+          <a:xfrm>
+            <a:off x="6040120" y="3361690"/>
+            <a:ext cx="0" cy="1019810"/>
+          </a:xfrm>
+          <a:prstGeom prst="straightConnector1">
+            <a:avLst/>
+          </a:prstGeom>
+          <a:ln>
+            <a:solidFill>
+              <a:schemeClr val="tx1"/>
+            </a:solidFill>
+            <a:headEnd type="arrow"/>
+            <a:tailEnd type="arrow"/>
+          </a:ln>
+        </p:spPr>
+        <p:style>
+          <a:lnRef idx="1">
+            <a:schemeClr val="accent1"/>
+          </a:lnRef>
+          <a:fillRef idx="0">
+            <a:schemeClr val="accent1"/>
+          </a:fillRef>
+          <a:effectRef idx="0">
+            <a:schemeClr val="accent1"/>
+          </a:effectRef>
+          <a:fontRef idx="minor">
+            <a:schemeClr val="tx1"/>
+          </a:fontRef>
+        </p:style>
+      </p:cxnSp>
+      <p:sp>
+        <p:nvSpPr>
+          <p:cNvPr id="44" name="テキストボックス 43"/>
+          <p:cNvSpPr txBox="1"/>
+          <p:nvPr/>
+        </p:nvSpPr>
+        <p:spPr>
+          <a:xfrm rot="16200000">
+            <a:off x="5805170" y="3749040"/>
+            <a:ext cx="375285" cy="245110"/>
+          </a:xfrm>
+          <a:prstGeom prst="rect">
+            <a:avLst/>
+          </a:prstGeom>
+          <a:noFill/>
+        </p:spPr>
+        <p:txBody>
+          <a:bodyPr wrap="none" rtlCol="0">
+            <a:spAutoFit/>
+          </a:bodyPr>
+          <a:p>
+            <a:r>
+              <a:rPr lang="en-US" altLang="ja-JP" sz="1000"/>
+              <a:t>300</a:t>
+            </a:r>
+            <a:endParaRPr lang="en-US" altLang="ja-JP" sz="1000"/>
+          </a:p>
+        </p:txBody>
+      </p:sp>
+      <p:sp>
+        <p:nvSpPr>
+          <p:cNvPr id="2" name="テキストボックス 1"/>
+          <p:cNvSpPr txBox="1"/>
+          <p:nvPr/>
+        </p:nvSpPr>
+        <p:spPr>
+          <a:xfrm rot="16200000">
+            <a:off x="4703445" y="3699510"/>
+            <a:ext cx="311150" cy="245110"/>
+          </a:xfrm>
+          <a:prstGeom prst="rect">
+            <a:avLst/>
+          </a:prstGeom>
+          <a:noFill/>
+        </p:spPr>
+        <p:txBody>
+          <a:bodyPr wrap="none" rtlCol="0">
+            <a:spAutoFit/>
+          </a:bodyPr>
+          <a:p>
+            <a:r>
+              <a:rPr lang="en-US" altLang="ja-JP" sz="1000"/>
+              <a:t>50</a:t>
+            </a:r>
+            <a:endParaRPr lang="en-US" altLang="ja-JP" sz="1000"/>
+          </a:p>
+        </p:txBody>
+      </p:sp>
+      <p:sp>
+        <p:nvSpPr>
+          <p:cNvPr id="3" name="テキストボックス 2"/>
+          <p:cNvSpPr txBox="1"/>
+          <p:nvPr/>
+        </p:nvSpPr>
+        <p:spPr>
+          <a:xfrm rot="16200000">
+            <a:off x="4703445" y="4022090"/>
+            <a:ext cx="375285" cy="245110"/>
+          </a:xfrm>
+          <a:prstGeom prst="rect">
+            <a:avLst/>
+          </a:prstGeom>
+          <a:noFill/>
+        </p:spPr>
+        <p:txBody>
+          <a:bodyPr wrap="none" rtlCol="0">
+            <a:spAutoFit/>
+          </a:bodyPr>
+          <a:p>
+            <a:r>
+              <a:rPr lang="en-US" altLang="ja-JP" sz="1000"/>
+              <a:t>160</a:t>
+            </a:r>
+            <a:endParaRPr lang="en-US" altLang="ja-JP" sz="1000"/>
+          </a:p>
+        </p:txBody>
+      </p:sp>
+      <p:sp>
+        <p:nvSpPr>
+          <p:cNvPr id="26" name="テキストボックス 25"/>
+          <p:cNvSpPr txBox="1"/>
+          <p:nvPr/>
+        </p:nvSpPr>
+        <p:spPr>
+          <a:xfrm rot="16200000">
+            <a:off x="4139565" y="3503930"/>
+            <a:ext cx="375285" cy="245110"/>
+          </a:xfrm>
+          <a:prstGeom prst="rect">
+            <a:avLst/>
+          </a:prstGeom>
+          <a:noFill/>
+        </p:spPr>
+        <p:txBody>
+          <a:bodyPr wrap="none" rtlCol="0">
+            <a:spAutoFit/>
+          </a:bodyPr>
+          <a:p>
+            <a:r>
+              <a:rPr lang="en-US" altLang="ja-JP" sz="1000"/>
+              <a:t>140</a:t>
             </a:r>
             <a:endParaRPr lang="en-US" altLang="ja-JP" sz="1000"/>
           </a:p>
